--- a/document/VFA-iOS-testing.pptx
+++ b/document/VFA-iOS-testing.pptx
@@ -16,7 +16,8 @@
     <p:sldId id="261" r:id="rId10"/>
     <p:sldId id="258" r:id="rId11"/>
     <p:sldId id="267" r:id="rId12"/>
-    <p:sldId id="262" r:id="rId13"/>
+    <p:sldId id="268" r:id="rId13"/>
+    <p:sldId id="262" r:id="rId14"/>
   </p:sldIdLst>
   <p:sldSz cx="12192000" cy="6858000"/>
   <p:notesSz cx="6858000" cy="9144000"/>
@@ -115,6 +116,11 @@
       </a:defRPr>
     </a:lvl9pPr>
   </p:defaultTextStyle>
+  <p:extLst>
+    <p:ext uri="{EFAFB233-063F-42B5-8137-9DF3F51BA10A}">
+      <p15:sldGuideLst xmlns:p15="http://schemas.microsoft.com/office/powerpoint/2012/main"/>
+    </p:ext>
+  </p:extLst>
 </p:presentation>
 </file>
 
@@ -267,7 +273,7 @@
           <a:p>
             <a:fld id="{1A8DD26B-907E-8841-BF29-3DBA5247EF1B}" type="datetimeFigureOut">
               <a:rPr lang="en-VN" smtClean="0"/>
-              <a:t>6/16/20</a:t>
+              <a:t>6/17/20</a:t>
             </a:fld>
             <a:endParaRPr lang="en-VN"/>
           </a:p>
@@ -467,7 +473,7 @@
           <a:p>
             <a:fld id="{1A8DD26B-907E-8841-BF29-3DBA5247EF1B}" type="datetimeFigureOut">
               <a:rPr lang="en-VN" smtClean="0"/>
-              <a:t>6/16/20</a:t>
+              <a:t>6/17/20</a:t>
             </a:fld>
             <a:endParaRPr lang="en-VN"/>
           </a:p>
@@ -677,7 +683,7 @@
           <a:p>
             <a:fld id="{1A8DD26B-907E-8841-BF29-3DBA5247EF1B}" type="datetimeFigureOut">
               <a:rPr lang="en-VN" smtClean="0"/>
-              <a:t>6/16/20</a:t>
+              <a:t>6/17/20</a:t>
             </a:fld>
             <a:endParaRPr lang="en-VN"/>
           </a:p>
@@ -877,7 +883,7 @@
           <a:p>
             <a:fld id="{1A8DD26B-907E-8841-BF29-3DBA5247EF1B}" type="datetimeFigureOut">
               <a:rPr lang="en-VN" smtClean="0"/>
-              <a:t>6/16/20</a:t>
+              <a:t>6/17/20</a:t>
             </a:fld>
             <a:endParaRPr lang="en-VN"/>
           </a:p>
@@ -1153,7 +1159,7 @@
           <a:p>
             <a:fld id="{1A8DD26B-907E-8841-BF29-3DBA5247EF1B}" type="datetimeFigureOut">
               <a:rPr lang="en-VN" smtClean="0"/>
-              <a:t>6/16/20</a:t>
+              <a:t>6/17/20</a:t>
             </a:fld>
             <a:endParaRPr lang="en-VN"/>
           </a:p>
@@ -1421,7 +1427,7 @@
           <a:p>
             <a:fld id="{1A8DD26B-907E-8841-BF29-3DBA5247EF1B}" type="datetimeFigureOut">
               <a:rPr lang="en-VN" smtClean="0"/>
-              <a:t>6/16/20</a:t>
+              <a:t>6/17/20</a:t>
             </a:fld>
             <a:endParaRPr lang="en-VN"/>
           </a:p>
@@ -1836,7 +1842,7 @@
           <a:p>
             <a:fld id="{1A8DD26B-907E-8841-BF29-3DBA5247EF1B}" type="datetimeFigureOut">
               <a:rPr lang="en-VN" smtClean="0"/>
-              <a:t>6/16/20</a:t>
+              <a:t>6/17/20</a:t>
             </a:fld>
             <a:endParaRPr lang="en-VN"/>
           </a:p>
@@ -1978,7 +1984,7 @@
           <a:p>
             <a:fld id="{1A8DD26B-907E-8841-BF29-3DBA5247EF1B}" type="datetimeFigureOut">
               <a:rPr lang="en-VN" smtClean="0"/>
-              <a:t>6/16/20</a:t>
+              <a:t>6/17/20</a:t>
             </a:fld>
             <a:endParaRPr lang="en-VN"/>
           </a:p>
@@ -2091,7 +2097,7 @@
           <a:p>
             <a:fld id="{1A8DD26B-907E-8841-BF29-3DBA5247EF1B}" type="datetimeFigureOut">
               <a:rPr lang="en-VN" smtClean="0"/>
-              <a:t>6/16/20</a:t>
+              <a:t>6/17/20</a:t>
             </a:fld>
             <a:endParaRPr lang="en-VN"/>
           </a:p>
@@ -2404,7 +2410,7 @@
           <a:p>
             <a:fld id="{1A8DD26B-907E-8841-BF29-3DBA5247EF1B}" type="datetimeFigureOut">
               <a:rPr lang="en-VN" smtClean="0"/>
-              <a:t>6/16/20</a:t>
+              <a:t>6/17/20</a:t>
             </a:fld>
             <a:endParaRPr lang="en-VN"/>
           </a:p>
@@ -2693,7 +2699,7 @@
           <a:p>
             <a:fld id="{1A8DD26B-907E-8841-BF29-3DBA5247EF1B}" type="datetimeFigureOut">
               <a:rPr lang="en-VN" smtClean="0"/>
-              <a:t>6/16/20</a:t>
+              <a:t>6/17/20</a:t>
             </a:fld>
             <a:endParaRPr lang="en-VN"/>
           </a:p>
@@ -2936,7 +2942,7 @@
           <a:p>
             <a:fld id="{1A8DD26B-907E-8841-BF29-3DBA5247EF1B}" type="datetimeFigureOut">
               <a:rPr lang="en-VN" smtClean="0"/>
-              <a:t>6/16/20</a:t>
+              <a:t>6/17/20</a:t>
             </a:fld>
             <a:endParaRPr lang="en-VN"/>
           </a:p>
@@ -3625,6 +3631,92 @@
           <p:cNvPr id="2" name="Title 1">
             <a:extLst>
               <a:ext uri="{FF2B5EF4-FFF2-40B4-BE49-F238E27FC236}">
+                <a16:creationId xmlns:a16="http://schemas.microsoft.com/office/drawing/2014/main" id="{A308FAB1-917D-1D41-AB2F-F2E62339DA5B}"/>
+              </a:ext>
+            </a:extLst>
+          </p:cNvPr>
+          <p:cNvSpPr>
+            <a:spLocks noGrp="1"/>
+          </p:cNvSpPr>
+          <p:nvPr>
+            <p:ph type="title"/>
+          </p:nvPr>
+        </p:nvSpPr>
+        <p:spPr/>
+        <p:txBody>
+          <a:bodyPr/>
+          <a:lstStyle/>
+          <a:p>
+            <a:r>
+              <a:rPr lang="en-VN" dirty="0"/>
+              <a:t>XCTest</a:t>
+            </a:r>
+          </a:p>
+        </p:txBody>
+      </p:sp>
+      <p:sp>
+        <p:nvSpPr>
+          <p:cNvPr id="3" name="Content Placeholder 2">
+            <a:extLst>
+              <a:ext uri="{FF2B5EF4-FFF2-40B4-BE49-F238E27FC236}">
+                <a16:creationId xmlns:a16="http://schemas.microsoft.com/office/drawing/2014/main" id="{41DEA4D2-3EBB-5B49-B8A2-DCEA1976FDD6}"/>
+              </a:ext>
+            </a:extLst>
+          </p:cNvPr>
+          <p:cNvSpPr>
+            <a:spLocks noGrp="1"/>
+          </p:cNvSpPr>
+          <p:nvPr>
+            <p:ph idx="1"/>
+          </p:nvPr>
+        </p:nvSpPr>
+        <p:spPr/>
+        <p:txBody>
+          <a:bodyPr/>
+          <a:lstStyle/>
+          <a:p>
+            <a:r>
+              <a:rPr lang="en-VN" dirty="0"/>
+              <a:t>Introduced in Xcode 5 in 2013.</a:t>
+            </a:r>
+          </a:p>
+        </p:txBody>
+      </p:sp>
+    </p:spTree>
+    <p:extLst>
+      <p:ext uri="{BB962C8B-B14F-4D97-AF65-F5344CB8AC3E}">
+        <p14:creationId xmlns:p14="http://schemas.microsoft.com/office/powerpoint/2010/main" val="2785250636"/>
+      </p:ext>
+    </p:extLst>
+  </p:cSld>
+  <p:clrMapOvr>
+    <a:masterClrMapping/>
+  </p:clrMapOvr>
+</p:sld>
+</file>
+
+<file path=ppt/slides/slide13.xml><?xml version="1.0" encoding="utf-8"?>
+<p:sld xmlns:a="http://schemas.openxmlformats.org/drawingml/2006/main" xmlns:r="http://schemas.openxmlformats.org/officeDocument/2006/relationships" xmlns:p="http://schemas.openxmlformats.org/presentationml/2006/main">
+  <p:cSld>
+    <p:spTree>
+      <p:nvGrpSpPr>
+        <p:cNvPr id="1" name=""/>
+        <p:cNvGrpSpPr/>
+        <p:nvPr/>
+      </p:nvGrpSpPr>
+      <p:grpSpPr>
+        <a:xfrm>
+          <a:off x="0" y="0"/>
+          <a:ext cx="0" cy="0"/>
+          <a:chOff x="0" y="0"/>
+          <a:chExt cx="0" cy="0"/>
+        </a:xfrm>
+      </p:grpSpPr>
+      <p:sp>
+        <p:nvSpPr>
+          <p:cNvPr id="2" name="Title 1">
+            <a:extLst>
+              <a:ext uri="{FF2B5EF4-FFF2-40B4-BE49-F238E27FC236}">
                 <a16:creationId xmlns:a16="http://schemas.microsoft.com/office/drawing/2014/main" id="{F9AF15DA-0F01-564C-9D32-0DFB38BD464D}"/>
               </a:ext>
             </a:extLst>
@@ -4316,10 +4408,10 @@
       </p:sp>
       <p:pic>
         <p:nvPicPr>
-          <p:cNvPr id="5" name="Picture 4">
-            <a:extLst>
-              <a:ext uri="{FF2B5EF4-FFF2-40B4-BE49-F238E27FC236}">
-                <a16:creationId xmlns:a16="http://schemas.microsoft.com/office/drawing/2014/main" id="{E9AA3AA2-4A74-CB4B-87A3-167E6E9A0224}"/>
+          <p:cNvPr id="6" name="Picture 5">
+            <a:extLst>
+              <a:ext uri="{FF2B5EF4-FFF2-40B4-BE49-F238E27FC236}">
+                <a16:creationId xmlns:a16="http://schemas.microsoft.com/office/drawing/2014/main" id="{AF962D42-B4F7-A946-BCFF-FD7BF566D4BB}"/>
               </a:ext>
             </a:extLst>
           </p:cNvPr>
@@ -4336,8 +4428,8 @@
         </p:blipFill>
         <p:spPr>
           <a:xfrm>
-            <a:off x="1522846" y="3408506"/>
-            <a:ext cx="3138107" cy="873414"/>
+            <a:off x="1514528" y="3350302"/>
+            <a:ext cx="3136900" cy="876300"/>
           </a:xfrm>
           <a:prstGeom prst="rect">
             <a:avLst/>

--- a/document/VFA-iOS-testing.pptx
+++ b/document/VFA-iOS-testing.pptx
@@ -17,7 +17,9 @@
     <p:sldId id="258" r:id="rId11"/>
     <p:sldId id="267" r:id="rId12"/>
     <p:sldId id="268" r:id="rId13"/>
-    <p:sldId id="262" r:id="rId14"/>
+    <p:sldId id="269" r:id="rId14"/>
+    <p:sldId id="270" r:id="rId15"/>
+    <p:sldId id="262" r:id="rId16"/>
   </p:sldIdLst>
   <p:sldSz cx="12192000" cy="6858000"/>
   <p:notesSz cx="6858000" cy="9144000"/>
@@ -3375,37 +3377,94 @@
             <p:ph type="title"/>
           </p:nvPr>
         </p:nvSpPr>
-        <p:spPr/>
-        <p:txBody>
-          <a:bodyPr/>
-          <a:lstStyle/>
-          <a:p>
-            <a:endParaRPr lang="en-VN" dirty="0"/>
-          </a:p>
-        </p:txBody>
-      </p:sp>
-      <p:sp>
-        <p:nvSpPr>
-          <p:cNvPr id="3" name="Content Placeholder 2">
-            <a:extLst>
-              <a:ext uri="{FF2B5EF4-FFF2-40B4-BE49-F238E27FC236}">
-                <a16:creationId xmlns:a16="http://schemas.microsoft.com/office/drawing/2014/main" id="{D5C94380-AAAD-B643-B64B-5C45EF26CC7B}"/>
-              </a:ext>
-            </a:extLst>
-          </p:cNvPr>
-          <p:cNvSpPr>
-            <a:spLocks noGrp="1"/>
-          </p:cNvSpPr>
-          <p:nvPr>
-            <p:ph idx="1"/>
-          </p:nvPr>
-        </p:nvSpPr>
-        <p:spPr/>
-        <p:txBody>
-          <a:bodyPr/>
-          <a:lstStyle/>
-          <a:p>
-            <a:endParaRPr lang="en-VN"/>
+        <p:spPr>
+          <a:xfrm>
+            <a:off x="838200" y="711114"/>
+            <a:ext cx="10515600" cy="3156551"/>
+          </a:xfrm>
+        </p:spPr>
+        <p:txBody>
+          <a:bodyPr>
+            <a:normAutofit/>
+          </a:bodyPr>
+          <a:lstStyle/>
+          <a:p>
+            <a:r>
+              <a:rPr lang="en-VN" sz="6000" b="1" dirty="0"/>
+              <a:t>Workshop: iOS Testing</a:t>
+            </a:r>
+          </a:p>
+        </p:txBody>
+      </p:sp>
+      <p:sp>
+        <p:nvSpPr>
+          <p:cNvPr id="4" name="Title 1">
+            <a:extLst>
+              <a:ext uri="{FF2B5EF4-FFF2-40B4-BE49-F238E27FC236}">
+                <a16:creationId xmlns:a16="http://schemas.microsoft.com/office/drawing/2014/main" id="{AE77697A-160D-D247-B84F-BF77656711F7}"/>
+              </a:ext>
+            </a:extLst>
+          </p:cNvPr>
+          <p:cNvSpPr txBox="1">
+            <a:spLocks/>
+          </p:cNvSpPr>
+          <p:nvPr/>
+        </p:nvSpPr>
+        <p:spPr>
+          <a:xfrm>
+            <a:off x="8822724" y="4843849"/>
+            <a:ext cx="2683476" cy="1154756"/>
+          </a:xfrm>
+          <a:prstGeom prst="rect">
+            <a:avLst/>
+          </a:prstGeom>
+        </p:spPr>
+        <p:txBody>
+          <a:bodyPr vert="horz" lIns="91440" tIns="45720" rIns="91440" bIns="45720" rtlCol="0" anchor="ctr">
+            <a:normAutofit fontScale="92500" lnSpcReduction="10000"/>
+          </a:bodyPr>
+          <a:lstStyle>
+            <a:lvl1pPr algn="l" defTabSz="914400" rtl="0" eaLnBrk="1" latinLnBrk="0" hangingPunct="1">
+              <a:lnSpc>
+                <a:spcPct val="90000"/>
+              </a:lnSpc>
+              <a:spcBef>
+                <a:spcPct val="0"/>
+              </a:spcBef>
+              <a:buNone/>
+              <a:defRPr sz="4400" kern="1200">
+                <a:solidFill>
+                  <a:schemeClr val="tx1"/>
+                </a:solidFill>
+                <a:latin typeface="+mj-lt"/>
+                <a:ea typeface="+mj-ea"/>
+                <a:cs typeface="+mj-cs"/>
+              </a:defRPr>
+            </a:lvl1pPr>
+          </a:lstStyle>
+          <a:p>
+            <a:r>
+              <a:rPr lang="en-VN" b="1" dirty="0">
+                <a:solidFill>
+                  <a:schemeClr val="bg1">
+                    <a:lumMod val="50000"/>
+                  </a:schemeClr>
+                </a:solidFill>
+              </a:rPr>
+              <a:t>HungNV</a:t>
+            </a:r>
+          </a:p>
+          <a:p>
+            <a:r>
+              <a:rPr lang="en-VN" b="1" dirty="0">
+                <a:solidFill>
+                  <a:schemeClr val="bg1">
+                    <a:lumMod val="50000"/>
+                  </a:schemeClr>
+                </a:solidFill>
+              </a:rPr>
+              <a:t>ChauNN</a:t>
+            </a:r>
           </a:p>
         </p:txBody>
       </p:sp>
@@ -3586,7 +3645,7 @@
           <a:p>
             <a:r>
               <a:rPr lang="en-VN" dirty="0"/>
-              <a:t>Session 3: Unit test – </a:t>
+              <a:t>Session 3: Unit test – Testing with </a:t>
             </a:r>
             <a:r>
               <a:rPr lang="en-US" dirty="0"/>
@@ -3649,7 +3708,7 @@
           <a:p>
             <a:r>
               <a:rPr lang="en-VN" dirty="0"/>
-              <a:t>XCTest</a:t>
+              <a:t>Overview</a:t>
             </a:r>
           </a:p>
         </p:txBody>
@@ -3677,7 +3736,19 @@
           <a:p>
             <a:r>
               <a:rPr lang="en-VN" dirty="0"/>
-              <a:t>Introduced in Xcode 5 in 2013.</a:t>
+              <a:t>Introduced XCTest vs Quick and Nimble.</a:t>
+            </a:r>
+          </a:p>
+          <a:p>
+            <a:r>
+              <a:rPr lang="en-VN" dirty="0"/>
+              <a:t>How to use Quick and Nimble.</a:t>
+            </a:r>
+          </a:p>
+          <a:p>
+            <a:r>
+              <a:rPr lang="en-VN" dirty="0"/>
+              <a:t>Demo.</a:t>
             </a:r>
           </a:p>
         </p:txBody>
@@ -3717,6 +3788,289 @@
           <p:cNvPr id="2" name="Title 1">
             <a:extLst>
               <a:ext uri="{FF2B5EF4-FFF2-40B4-BE49-F238E27FC236}">
+                <a16:creationId xmlns:a16="http://schemas.microsoft.com/office/drawing/2014/main" id="{5760B295-B91F-6144-A0E5-47B6FDB64A1E}"/>
+              </a:ext>
+            </a:extLst>
+          </p:cNvPr>
+          <p:cNvSpPr>
+            <a:spLocks noGrp="1"/>
+          </p:cNvSpPr>
+          <p:nvPr>
+            <p:ph type="title"/>
+          </p:nvPr>
+        </p:nvSpPr>
+        <p:spPr/>
+        <p:txBody>
+          <a:bodyPr/>
+          <a:lstStyle/>
+          <a:p>
+            <a:r>
+              <a:rPr lang="en-US" dirty="0"/>
+              <a:t>Comparison between </a:t>
+            </a:r>
+            <a:r>
+              <a:rPr lang="en-US" dirty="0" err="1"/>
+              <a:t>XCTest</a:t>
+            </a:r>
+            <a:r>
+              <a:rPr lang="en-US" dirty="0"/>
+              <a:t> vs Quick and Nimble</a:t>
+            </a:r>
+            <a:endParaRPr lang="en-VN" dirty="0"/>
+          </a:p>
+        </p:txBody>
+      </p:sp>
+      <p:sp>
+        <p:nvSpPr>
+          <p:cNvPr id="3" name="Content Placeholder 2">
+            <a:extLst>
+              <a:ext uri="{FF2B5EF4-FFF2-40B4-BE49-F238E27FC236}">
+                <a16:creationId xmlns:a16="http://schemas.microsoft.com/office/drawing/2014/main" id="{15D0E099-604F-1946-AD45-C98A304237FE}"/>
+              </a:ext>
+            </a:extLst>
+          </p:cNvPr>
+          <p:cNvSpPr>
+            <a:spLocks noGrp="1"/>
+          </p:cNvSpPr>
+          <p:nvPr>
+            <p:ph idx="1"/>
+          </p:nvPr>
+        </p:nvSpPr>
+        <p:spPr/>
+        <p:txBody>
+          <a:bodyPr>
+            <a:normAutofit fontScale="77500" lnSpcReduction="20000"/>
+          </a:bodyPr>
+          <a:lstStyle/>
+          <a:p>
+            <a:pPr>
+              <a:lnSpc>
+                <a:spcPct val="150000"/>
+              </a:lnSpc>
+            </a:pPr>
+            <a:r>
+              <a:rPr lang="en-US" b="1" dirty="0" err="1"/>
+              <a:t>XCTest</a:t>
+            </a:r>
+            <a:r>
+              <a:rPr lang="en-US" dirty="0"/>
+              <a:t> is a testing framework provided by Apple. You need to be aware of setup() and </a:t>
+            </a:r>
+            <a:r>
+              <a:rPr lang="en-US" dirty="0" err="1"/>
+              <a:t>tearDown</a:t>
+            </a:r>
+            <a:r>
+              <a:rPr lang="en-US" dirty="0"/>
+              <a:t>() functions. </a:t>
+            </a:r>
+            <a:r>
+              <a:rPr lang="en-US" dirty="0" err="1"/>
+              <a:t>XCTAssertions</a:t>
+            </a:r>
+            <a:r>
+              <a:rPr lang="en-US" dirty="0"/>
+              <a:t> are also pretty inconvenient to use. Very long function names.</a:t>
+            </a:r>
+            <a:endParaRPr lang="en-VN" dirty="0"/>
+          </a:p>
+          <a:p>
+            <a:pPr>
+              <a:lnSpc>
+                <a:spcPct val="150000"/>
+              </a:lnSpc>
+            </a:pPr>
+            <a:r>
+              <a:rPr lang="en-US" b="1" dirty="0"/>
+              <a:t>Quick</a:t>
+            </a:r>
+            <a:r>
+              <a:rPr lang="en-US" dirty="0"/>
+              <a:t> is a testing framework which provides a convenient method to compose a unit test. It uses the single function spec() to define the whole test. The sections are describe, context and it. I will explain the purpose and benefits of such a setup later in this article.</a:t>
+            </a:r>
+            <a:endParaRPr lang="en-VN" dirty="0"/>
+          </a:p>
+          <a:p>
+            <a:pPr>
+              <a:lnSpc>
+                <a:spcPct val="150000"/>
+              </a:lnSpc>
+            </a:pPr>
+            <a:r>
+              <a:rPr lang="en-US" b="1" dirty="0"/>
+              <a:t>Nimble </a:t>
+            </a:r>
+            <a:r>
+              <a:rPr lang="en-US" dirty="0"/>
+              <a:t>is a matching framework which provides plenty of options how to fulfill your test expectations. </a:t>
+            </a:r>
+            <a:endParaRPr lang="en-VN" dirty="0"/>
+          </a:p>
+        </p:txBody>
+      </p:sp>
+    </p:spTree>
+    <p:extLst>
+      <p:ext uri="{BB962C8B-B14F-4D97-AF65-F5344CB8AC3E}">
+        <p14:creationId xmlns:p14="http://schemas.microsoft.com/office/powerpoint/2010/main" val="2794277343"/>
+      </p:ext>
+    </p:extLst>
+  </p:cSld>
+  <p:clrMapOvr>
+    <a:masterClrMapping/>
+  </p:clrMapOvr>
+</p:sld>
+</file>
+
+<file path=ppt/slides/slide14.xml><?xml version="1.0" encoding="utf-8"?>
+<p:sld xmlns:a="http://schemas.openxmlformats.org/drawingml/2006/main" xmlns:r="http://schemas.openxmlformats.org/officeDocument/2006/relationships" xmlns:p="http://schemas.openxmlformats.org/presentationml/2006/main">
+  <p:cSld>
+    <p:spTree>
+      <p:nvGrpSpPr>
+        <p:cNvPr id="1" name=""/>
+        <p:cNvGrpSpPr/>
+        <p:nvPr/>
+      </p:nvGrpSpPr>
+      <p:grpSpPr>
+        <a:xfrm>
+          <a:off x="0" y="0"/>
+          <a:ext cx="0" cy="0"/>
+          <a:chOff x="0" y="0"/>
+          <a:chExt cx="0" cy="0"/>
+        </a:xfrm>
+      </p:grpSpPr>
+      <p:sp>
+        <p:nvSpPr>
+          <p:cNvPr id="2" name="Title 1">
+            <a:extLst>
+              <a:ext uri="{FF2B5EF4-FFF2-40B4-BE49-F238E27FC236}">
+                <a16:creationId xmlns:a16="http://schemas.microsoft.com/office/drawing/2014/main" id="{5760B295-B91F-6144-A0E5-47B6FDB64A1E}"/>
+              </a:ext>
+            </a:extLst>
+          </p:cNvPr>
+          <p:cNvSpPr>
+            <a:spLocks noGrp="1"/>
+          </p:cNvSpPr>
+          <p:nvPr>
+            <p:ph type="title"/>
+          </p:nvPr>
+        </p:nvSpPr>
+        <p:spPr/>
+        <p:txBody>
+          <a:bodyPr/>
+          <a:lstStyle/>
+          <a:p>
+            <a:r>
+              <a:rPr lang="en-VN" dirty="0"/>
+              <a:t>How to use Quick and Nimble</a:t>
+            </a:r>
+          </a:p>
+        </p:txBody>
+      </p:sp>
+      <p:sp>
+        <p:nvSpPr>
+          <p:cNvPr id="3" name="Content Placeholder 2">
+            <a:extLst>
+              <a:ext uri="{FF2B5EF4-FFF2-40B4-BE49-F238E27FC236}">
+                <a16:creationId xmlns:a16="http://schemas.microsoft.com/office/drawing/2014/main" id="{15D0E099-604F-1946-AD45-C98A304237FE}"/>
+              </a:ext>
+            </a:extLst>
+          </p:cNvPr>
+          <p:cNvSpPr>
+            <a:spLocks noGrp="1"/>
+          </p:cNvSpPr>
+          <p:nvPr>
+            <p:ph idx="1"/>
+          </p:nvPr>
+        </p:nvSpPr>
+        <p:spPr/>
+        <p:txBody>
+          <a:bodyPr/>
+          <a:lstStyle/>
+          <a:p>
+            <a:r>
+              <a:rPr lang="en-US" dirty="0"/>
+              <a:t>You can either use </a:t>
+            </a:r>
+            <a:r>
+              <a:rPr lang="en-US" b="1" dirty="0" err="1"/>
+              <a:t>Cathage</a:t>
+            </a:r>
+            <a:r>
+              <a:rPr lang="en-US" dirty="0"/>
+              <a:t> or </a:t>
+            </a:r>
+            <a:r>
+              <a:rPr lang="en-US" b="1" dirty="0"/>
+              <a:t>Cocoa Pod.</a:t>
+            </a:r>
+          </a:p>
+        </p:txBody>
+      </p:sp>
+      <p:pic>
+        <p:nvPicPr>
+          <p:cNvPr id="9" name="Picture 8">
+            <a:extLst>
+              <a:ext uri="{FF2B5EF4-FFF2-40B4-BE49-F238E27FC236}">
+                <a16:creationId xmlns:a16="http://schemas.microsoft.com/office/drawing/2014/main" id="{C989604C-71A2-A749-BCC4-752DDAE03DFF}"/>
+              </a:ext>
+            </a:extLst>
+          </p:cNvPr>
+          <p:cNvPicPr>
+            <a:picLocks noChangeAspect="1"/>
+          </p:cNvPicPr>
+          <p:nvPr/>
+        </p:nvPicPr>
+        <p:blipFill>
+          <a:blip r:embed="rId2"/>
+          <a:stretch>
+            <a:fillRect/>
+          </a:stretch>
+        </p:blipFill>
+        <p:spPr>
+          <a:xfrm>
+            <a:off x="1307755" y="2318555"/>
+            <a:ext cx="7403757" cy="4283247"/>
+          </a:xfrm>
+          <a:prstGeom prst="rect">
+            <a:avLst/>
+          </a:prstGeom>
+        </p:spPr>
+      </p:pic>
+    </p:spTree>
+    <p:extLst>
+      <p:ext uri="{BB962C8B-B14F-4D97-AF65-F5344CB8AC3E}">
+        <p14:creationId xmlns:p14="http://schemas.microsoft.com/office/powerpoint/2010/main" val="1685114902"/>
+      </p:ext>
+    </p:extLst>
+  </p:cSld>
+  <p:clrMapOvr>
+    <a:masterClrMapping/>
+  </p:clrMapOvr>
+</p:sld>
+</file>
+
+<file path=ppt/slides/slide15.xml><?xml version="1.0" encoding="utf-8"?>
+<p:sld xmlns:a="http://schemas.openxmlformats.org/drawingml/2006/main" xmlns:r="http://schemas.openxmlformats.org/officeDocument/2006/relationships" xmlns:p="http://schemas.openxmlformats.org/presentationml/2006/main">
+  <p:cSld>
+    <p:spTree>
+      <p:nvGrpSpPr>
+        <p:cNvPr id="1" name=""/>
+        <p:cNvGrpSpPr/>
+        <p:nvPr/>
+      </p:nvGrpSpPr>
+      <p:grpSpPr>
+        <a:xfrm>
+          <a:off x="0" y="0"/>
+          <a:ext cx="0" cy="0"/>
+          <a:chOff x="0" y="0"/>
+          <a:chExt cx="0" cy="0"/>
+        </a:xfrm>
+      </p:grpSpPr>
+      <p:sp>
+        <p:nvSpPr>
+          <p:cNvPr id="2" name="Title 1">
+            <a:extLst>
+              <a:ext uri="{FF2B5EF4-FFF2-40B4-BE49-F238E27FC236}">
                 <a16:creationId xmlns:a16="http://schemas.microsoft.com/office/drawing/2014/main" id="{F9AF15DA-0F01-564C-9D32-0DFB38BD464D}"/>
               </a:ext>
             </a:extLst>
@@ -3734,58 +4088,72 @@
           <a:lstStyle/>
           <a:p>
             <a:r>
+              <a:rPr lang="en-US" dirty="0"/>
+              <a:t>Reference</a:t>
+            </a:r>
+            <a:endParaRPr lang="en-VN" dirty="0"/>
+          </a:p>
+        </p:txBody>
+      </p:sp>
+      <p:sp>
+        <p:nvSpPr>
+          <p:cNvPr id="3" name="Content Placeholder 2">
+            <a:extLst>
+              <a:ext uri="{FF2B5EF4-FFF2-40B4-BE49-F238E27FC236}">
+                <a16:creationId xmlns:a16="http://schemas.microsoft.com/office/drawing/2014/main" id="{70C86AE7-8FC9-6645-BB81-1833B2415B2B}"/>
+              </a:ext>
+            </a:extLst>
+          </p:cNvPr>
+          <p:cNvSpPr>
+            <a:spLocks noGrp="1"/>
+          </p:cNvSpPr>
+          <p:nvPr>
+            <p:ph idx="1"/>
+          </p:nvPr>
+        </p:nvSpPr>
+        <p:spPr/>
+        <p:txBody>
+          <a:bodyPr/>
+          <a:lstStyle/>
+          <a:p>
+            <a:r>
               <a:rPr lang="en-VN" dirty="0"/>
-              <a:t>Referent</a:t>
-            </a:r>
-          </a:p>
-        </p:txBody>
-      </p:sp>
-      <p:sp>
-        <p:nvSpPr>
-          <p:cNvPr id="3" name="Content Placeholder 2">
-            <a:extLst>
-              <a:ext uri="{FF2B5EF4-FFF2-40B4-BE49-F238E27FC236}">
-                <a16:creationId xmlns:a16="http://schemas.microsoft.com/office/drawing/2014/main" id="{70C86AE7-8FC9-6645-BB81-1833B2415B2B}"/>
-              </a:ext>
-            </a:extLst>
-          </p:cNvPr>
-          <p:cNvSpPr>
-            <a:spLocks noGrp="1"/>
-          </p:cNvSpPr>
-          <p:nvPr>
-            <p:ph idx="1"/>
-          </p:nvPr>
-        </p:nvSpPr>
-        <p:spPr/>
-        <p:txBody>
-          <a:bodyPr/>
-          <a:lstStyle/>
-          <a:p>
-            <a:r>
-              <a:rPr lang="en-VN" dirty="0"/>
-              <a:t>UITest call API: </a:t>
+              <a:t>Quick and Nimble: </a:t>
             </a:r>
             <a:r>
               <a:rPr lang="en-US" dirty="0">
                 <a:hlinkClick r:id="rId2"/>
               </a:rPr>
-              <a:t>https://www.raywenderlich.com/960290-ios-unit-testing-and-ui-testing-tutorial</a:t>
-            </a:r>
-            <a:endParaRPr lang="en-US" dirty="0"/>
-          </a:p>
-          <a:p>
-            <a:r>
-              <a:rPr lang="en-US" dirty="0" err="1"/>
-              <a:t>UITest</a:t>
-            </a:r>
-            <a:r>
-              <a:rPr lang="en-US" dirty="0"/>
-              <a:t>: </a:t>
+              <a:t>https://medium.com/inloopx/tdd-using-quick-nimble-244b14b09e3d</a:t>
+            </a:r>
+            <a:endParaRPr lang="en-VN" dirty="0"/>
+          </a:p>
+          <a:p>
+            <a:r>
+              <a:rPr lang="en-VN" dirty="0"/>
+              <a:t>UITest call API: </a:t>
             </a:r>
             <a:r>
               <a:rPr lang="en-US" dirty="0">
                 <a:hlinkClick r:id="rId3"/>
               </a:rPr>
+              <a:t>https://www.raywenderlich.com/960290-ios-unit-testing-and-ui-testing-tutorial</a:t>
+            </a:r>
+            <a:endParaRPr lang="en-US" dirty="0"/>
+          </a:p>
+          <a:p>
+            <a:r>
+              <a:rPr lang="en-US" dirty="0" err="1"/>
+              <a:t>UITest</a:t>
+            </a:r>
+            <a:r>
+              <a:rPr lang="en-US" dirty="0"/>
+              <a:t>: </a:t>
+            </a:r>
+            <a:r>
+              <a:rPr lang="en-US" dirty="0">
+                <a:hlinkClick r:id="rId4"/>
+              </a:rPr>
               <a:t>https://useyourloaf.com/blog/ui-testing-quick-guide/</a:t>
             </a:r>
             <a:endParaRPr lang="en-VN" dirty="0"/>
@@ -3805,7 +4173,7 @@
             </a:r>
             <a:r>
               <a:rPr lang="en-US" dirty="0">
-                <a:hlinkClick r:id="rId4"/>
+                <a:hlinkClick r:id="rId2"/>
               </a:rPr>
               <a:t>https://medium.com/inloopx/tdd-using-quick-nimble-244b14b09e3d</a:t>
             </a:r>
@@ -3996,7 +4364,7 @@
         <p:spPr>
           <a:xfrm>
             <a:off x="1648177" y="2630312"/>
-            <a:ext cx="8805333" cy="369332"/>
+            <a:ext cx="8805333" cy="1429622"/>
           </a:xfrm>
           <a:prstGeom prst="rect">
             <a:avLst/>
@@ -4010,20 +4378,56 @@
           <a:lstStyle/>
           <a:p>
             <a:pPr marL="285750" indent="-285750">
+              <a:lnSpc>
+                <a:spcPct val="150000"/>
+              </a:lnSpc>
               <a:buFont typeface="Arial" panose="020B0604020202020204" pitchFamily="34" charset="0"/>
               <a:buChar char="•"/>
             </a:pPr>
             <a:r>
-              <a:rPr lang="en-VN" dirty="0"/>
+              <a:rPr lang="en-VN" sz="2000" dirty="0"/>
               <a:t>Github link: </a:t>
             </a:r>
             <a:r>
-              <a:rPr lang="en-US" dirty="0">
+              <a:rPr lang="en-US" sz="2000" dirty="0">
                 <a:hlinkClick r:id="rId2"/>
               </a:rPr>
               <a:t>https://github.com/vitalifyjp/Kaizen_IOS_Template</a:t>
             </a:r>
-            <a:endParaRPr lang="en-VN" dirty="0"/>
+            <a:endParaRPr lang="en-US" sz="2000" dirty="0"/>
+          </a:p>
+          <a:p>
+            <a:pPr marL="285750" indent="-285750">
+              <a:lnSpc>
+                <a:spcPct val="150000"/>
+              </a:lnSpc>
+              <a:buFont typeface="Arial" panose="020B0604020202020204" pitchFamily="34" charset="0"/>
+              <a:buChar char="•"/>
+            </a:pPr>
+            <a:r>
+              <a:rPr lang="en-US" sz="2000" dirty="0"/>
+              <a:t>Coding role: </a:t>
+            </a:r>
+          </a:p>
+          <a:p>
+            <a:pPr marL="285750" indent="-285750">
+              <a:lnSpc>
+                <a:spcPct val="150000"/>
+              </a:lnSpc>
+              <a:buFont typeface="Arial" panose="020B0604020202020204" pitchFamily="34" charset="0"/>
+              <a:buChar char="•"/>
+            </a:pPr>
+            <a:r>
+              <a:rPr lang="en-US" sz="2000" dirty="0"/>
+              <a:t>Document: </a:t>
+            </a:r>
+            <a:r>
+              <a:rPr lang="en-US" sz="2000" dirty="0">
+                <a:hlinkClick r:id="rId3"/>
+              </a:rPr>
+              <a:t>https://vfa-chaunn.gitbook.io/kaizen-ios-template-gui/</a:t>
+            </a:r>
+            <a:endParaRPr lang="en-US" sz="2000" dirty="0"/>
           </a:p>
         </p:txBody>
       </p:sp>
@@ -4242,7 +4646,6 @@
           <a:bodyPr/>
           <a:lstStyle/>
           <a:p>
-            <a:pPr algn="ctr"/>
             <a:r>
               <a:rPr lang="en-VN" dirty="0"/>
               <a:t>Overview</a:t>
@@ -4273,19 +4676,19 @@
           <a:p>
             <a:r>
               <a:rPr lang="en-VN" dirty="0"/>
-              <a:t>Introduction XCUITest</a:t>
+              <a:t>Introduction XCUITest.</a:t>
             </a:r>
           </a:p>
           <a:p>
             <a:r>
               <a:rPr lang="en-VN" dirty="0"/>
-              <a:t>Record and Playback</a:t>
+              <a:t>Record and Playback.</a:t>
             </a:r>
           </a:p>
           <a:p>
             <a:r>
               <a:rPr lang="en-VN" dirty="0"/>
-              <a:t>Demo</a:t>
+              <a:t>Demo.</a:t>
             </a:r>
           </a:p>
         </p:txBody>

--- a/document/VFA-iOS-testing.pptx
+++ b/document/VFA-iOS-testing.pptx
@@ -20,6 +20,7 @@
     <p:sldId id="269" r:id="rId14"/>
     <p:sldId id="270" r:id="rId15"/>
     <p:sldId id="262" r:id="rId16"/>
+    <p:sldId id="271" r:id="rId17"/>
   </p:sldIdLst>
   <p:sldSz cx="12192000" cy="6858000"/>
   <p:notesSz cx="6858000" cy="9144000"/>
@@ -4194,6 +4195,72 @@
 </p:sld>
 </file>
 
+<file path=ppt/slides/slide16.xml><?xml version="1.0" encoding="utf-8"?>
+<p:sld xmlns:a="http://schemas.openxmlformats.org/drawingml/2006/main" xmlns:r="http://schemas.openxmlformats.org/officeDocument/2006/relationships" xmlns:p="http://schemas.openxmlformats.org/presentationml/2006/main">
+  <p:cSld>
+    <p:spTree>
+      <p:nvGrpSpPr>
+        <p:cNvPr id="1" name=""/>
+        <p:cNvGrpSpPr/>
+        <p:nvPr/>
+      </p:nvGrpSpPr>
+      <p:grpSpPr>
+        <a:xfrm>
+          <a:off x="0" y="0"/>
+          <a:ext cx="0" cy="0"/>
+          <a:chOff x="0" y="0"/>
+          <a:chExt cx="0" cy="0"/>
+        </a:xfrm>
+      </p:grpSpPr>
+      <p:sp>
+        <p:nvSpPr>
+          <p:cNvPr id="2" name="Title 1">
+            <a:extLst>
+              <a:ext uri="{FF2B5EF4-FFF2-40B4-BE49-F238E27FC236}">
+                <a16:creationId xmlns:a16="http://schemas.microsoft.com/office/drawing/2014/main" id="{D438F51A-4A00-E54E-81E4-E7E8E57DA4D6}"/>
+              </a:ext>
+            </a:extLst>
+          </p:cNvPr>
+          <p:cNvSpPr>
+            <a:spLocks noGrp="1"/>
+          </p:cNvSpPr>
+          <p:nvPr>
+            <p:ph type="title"/>
+          </p:nvPr>
+        </p:nvSpPr>
+        <p:spPr>
+          <a:xfrm>
+            <a:off x="838200" y="1909719"/>
+            <a:ext cx="10515600" cy="1325563"/>
+          </a:xfrm>
+        </p:spPr>
+        <p:txBody>
+          <a:bodyPr>
+            <a:normAutofit/>
+          </a:bodyPr>
+          <a:lstStyle/>
+          <a:p>
+            <a:pPr algn="ctr"/>
+            <a:r>
+              <a:rPr lang="en-VN" sz="5400" b="1" dirty="0"/>
+              <a:t>Q.A – Thank you!!!</a:t>
+            </a:r>
+          </a:p>
+        </p:txBody>
+      </p:sp>
+    </p:spTree>
+    <p:extLst>
+      <p:ext uri="{BB962C8B-B14F-4D97-AF65-F5344CB8AC3E}">
+        <p14:creationId xmlns:p14="http://schemas.microsoft.com/office/powerpoint/2010/main" val="1747270436"/>
+      </p:ext>
+    </p:extLst>
+  </p:cSld>
+  <p:clrMapOvr>
+    <a:masterClrMapping/>
+  </p:clrMapOvr>
+</p:sld>
+</file>
+
 <file path=ppt/slides/slide2.xml><?xml version="1.0" encoding="utf-8"?>
 <p:sld xmlns:a="http://schemas.openxmlformats.org/drawingml/2006/main" xmlns:r="http://schemas.openxmlformats.org/officeDocument/2006/relationships" xmlns:p="http://schemas.openxmlformats.org/presentationml/2006/main">
   <p:cSld>

--- a/document/VFA-iOS-testing.pptx
+++ b/document/VFA-iOS-testing.pptx
@@ -4988,8 +4988,8 @@
         </p:blipFill>
         <p:spPr>
           <a:xfrm>
-            <a:off x="1022766" y="1639271"/>
-            <a:ext cx="7346824" cy="4351338"/>
+            <a:off x="1912450" y="1392136"/>
+            <a:ext cx="7893351" cy="4675032"/>
           </a:xfrm>
         </p:spPr>
       </p:pic>

--- a/document/VFA-iOS-testing.pptx
+++ b/document/VFA-iOS-testing.pptx
@@ -297,7 +297,7 @@
           <a:p>
             <a:fld id="{1A8DD26B-907E-8841-BF29-3DBA5247EF1B}" type="datetimeFigureOut">
               <a:rPr lang="en-VN" smtClean="0"/>
-              <a:t>6/24/20</a:t>
+              <a:t>6/30/20</a:t>
             </a:fld>
             <a:endParaRPr lang="en-VN"/>
           </a:p>
@@ -498,7 +498,7 @@
           <a:p>
             <a:fld id="{1A8DD26B-907E-8841-BF29-3DBA5247EF1B}" type="datetimeFigureOut">
               <a:rPr lang="en-VN" smtClean="0"/>
-              <a:t>6/24/20</a:t>
+              <a:t>6/30/20</a:t>
             </a:fld>
             <a:endParaRPr lang="en-VN"/>
           </a:p>
@@ -735,7 +735,7 @@
           <a:p>
             <a:fld id="{1A8DD26B-907E-8841-BF29-3DBA5247EF1B}" type="datetimeFigureOut">
               <a:rPr lang="en-VN" smtClean="0"/>
-              <a:t>6/24/20</a:t>
+              <a:t>6/30/20</a:t>
             </a:fld>
             <a:endParaRPr lang="en-VN"/>
           </a:p>
@@ -898,7 +898,7 @@
           <a:p>
             <a:fld id="{1A8DD26B-907E-8841-BF29-3DBA5247EF1B}" type="datetimeFigureOut">
               <a:rPr lang="en-VN" smtClean="0"/>
-              <a:t>6/24/20</a:t>
+              <a:t>6/30/20</a:t>
             </a:fld>
             <a:endParaRPr lang="en-VN"/>
           </a:p>
@@ -1110,7 +1110,7 @@
           <a:p>
             <a:fld id="{1A8DD26B-907E-8841-BF29-3DBA5247EF1B}" type="datetimeFigureOut">
               <a:rPr lang="en-VN" smtClean="0"/>
-              <a:t>6/24/20</a:t>
+              <a:t>6/30/20</a:t>
             </a:fld>
             <a:endParaRPr lang="en-VN"/>
           </a:p>
@@ -1375,7 +1375,7 @@
           <a:p>
             <a:fld id="{1A8DD26B-907E-8841-BF29-3DBA5247EF1B}" type="datetimeFigureOut">
               <a:rPr lang="en-VN" smtClean="0"/>
-              <a:t>6/24/20</a:t>
+              <a:t>6/30/20</a:t>
             </a:fld>
             <a:endParaRPr lang="en-VN"/>
           </a:p>
@@ -1665,7 +1665,7 @@
           <a:p>
             <a:fld id="{1A8DD26B-907E-8841-BF29-3DBA5247EF1B}" type="datetimeFigureOut">
               <a:rPr lang="en-VN" smtClean="0"/>
-              <a:t>6/24/20</a:t>
+              <a:t>6/30/20</a:t>
             </a:fld>
             <a:endParaRPr lang="en-VN"/>
           </a:p>
@@ -9176,6 +9176,17 @@
               </a:rPr>
               <a:t>Coding role: </a:t>
             </a:r>
+            <a:r>
+              <a:rPr lang="en-US" sz="2000" dirty="0">
+                <a:hlinkClick r:id="rId3"/>
+              </a:rPr>
+              <a:t>https://vitalifyjp.github.io/KaizenTeam/docs/ios/</a:t>
+            </a:r>
+            <a:endParaRPr lang="en-US" sz="2000" dirty="0">
+              <a:solidFill>
+                <a:schemeClr val="bg1"/>
+              </a:solidFill>
+            </a:endParaRPr>
           </a:p>
           <a:p>
             <a:pPr marL="285750" indent="-285750">
@@ -9199,7 +9210,7 @@
             </a:r>
             <a:r>
               <a:rPr lang="en-US" sz="2000" dirty="0">
-                <a:hlinkClick r:id="rId3"/>
+                <a:hlinkClick r:id="rId4"/>
               </a:rPr>
               <a:t>https://vfa-chaunn.gitbook.io/kaizen-ios-template-gui/</a:t>
             </a:r>
